--- a/meetings/24-05-2019 Searchflow.pptx
+++ b/meetings/24-05-2019 Searchflow.pptx
@@ -3698,7 +3698,7 @@
         <p:spPr>
           <a:xfrm>
             <a:off x="772160" y="681117"/>
-            <a:ext cx="4836160" cy="646331"/>
+            <a:ext cx="4836160" cy="1200329"/>
           </a:xfrm>
           <a:prstGeom prst="rect">
             <a:avLst/>
@@ -3713,7 +3713,7 @@
           <a:p>
             <a:r>
               <a:rPr lang="en-US" sz="3600" b="1" dirty="0"/>
-              <a:t>Input Data Model</a:t>
+              <a:t>Information Retrieval Process</a:t>
             </a:r>
             <a:endParaRPr lang="en-DE" sz="3600" b="1" dirty="0"/>
           </a:p>
@@ -4213,7 +4213,7 @@
         </p:nvGrpSpPr>
         <p:grpSpPr>
           <a:xfrm>
-            <a:off x="378863" y="217283"/>
+            <a:off x="378863" y="1522208"/>
             <a:ext cx="7814979" cy="4137661"/>
             <a:chOff x="478927" y="770867"/>
             <a:chExt cx="7814979" cy="4137661"/>
@@ -4260,14 +4260,14 @@
             <a:p>
               <a:pPr algn="ctr"/>
               <a:r>
-                <a:rPr lang="en-US" dirty="0" err="1"/>
+                <a:rPr lang="en-US" sz="1400" dirty="0" err="1"/>
                 <a:t>Stopwords</a:t>
               </a:r>
               <a:r>
-                <a:rPr lang="en-US" dirty="0"/>
-                <a:t> Removal</a:t>
+                <a:rPr lang="en-US" sz="1400" dirty="0"/>
+                <a:t> Removal, Extract Code</a:t>
               </a:r>
-              <a:endParaRPr lang="en-DE" dirty="0"/>
+              <a:endParaRPr lang="en-DE" sz="1400" dirty="0"/>
             </a:p>
           </p:txBody>
         </p:sp>
@@ -4312,10 +4312,10 @@
             <a:p>
               <a:pPr algn="ctr"/>
               <a:r>
-                <a:rPr lang="en-US" dirty="0"/>
-                <a:t>Indexing in HashMap</a:t>
+                <a:rPr lang="en-US" sz="1600" dirty="0"/>
+                <a:t>Indexing with Gap-Lists</a:t>
               </a:r>
-              <a:endParaRPr lang="en-DE" dirty="0"/>
+              <a:endParaRPr lang="en-DE" sz="1600" dirty="0"/>
             </a:p>
           </p:txBody>
         </p:sp>
@@ -4360,10 +4360,10 @@
             <a:p>
               <a:pPr algn="ctr"/>
               <a:r>
-                <a:rPr lang="en-US" dirty="0"/>
-                <a:t>Index</a:t>
+                <a:rPr lang="en-US" sz="1400" dirty="0"/>
+                <a:t>Index on MongoDB</a:t>
               </a:r>
-              <a:endParaRPr lang="en-DE" dirty="0"/>
+              <a:endParaRPr lang="en-DE" sz="1400" dirty="0"/>
             </a:p>
           </p:txBody>
         </p:sp>
@@ -4408,10 +4408,14 @@
             <a:p>
               <a:pPr algn="ctr"/>
               <a:r>
-                <a:rPr lang="en-US" dirty="0"/>
-                <a:t>Searching</a:t>
+                <a:rPr lang="en-US" sz="1200" dirty="0"/>
+                <a:t>Retrieve Docs with at least one term </a:t>
               </a:r>
-              <a:endParaRPr lang="en-DE" dirty="0"/>
+              <a:r>
+                <a:rPr lang="en-US" sz="1200" dirty="0" err="1"/>
+                <a:t>occurence</a:t>
+              </a:r>
+              <a:endParaRPr lang="en-DE" sz="1200" dirty="0"/>
             </a:p>
           </p:txBody>
         </p:sp>
@@ -4456,18 +4460,18 @@
             <a:p>
               <a:pPr algn="ctr"/>
               <a:r>
-                <a:rPr lang="en-US" sz="1600" dirty="0"/>
+                <a:rPr lang="en-US" sz="1400" dirty="0"/>
                 <a:t>Ranking (</a:t>
               </a:r>
               <a:r>
-                <a:rPr lang="en-US" sz="1600" dirty="0" err="1"/>
+                <a:rPr lang="en-US" sz="1400" dirty="0" err="1"/>
                 <a:t>tf-idf</a:t>
               </a:r>
               <a:r>
-                <a:rPr lang="en-US" sz="1600" dirty="0"/>
+                <a:rPr lang="en-US" sz="1400" dirty="0"/>
                 <a:t> + empirical scoring)</a:t>
               </a:r>
-              <a:endParaRPr lang="en-DE" sz="1600" dirty="0"/>
+              <a:endParaRPr lang="en-DE" sz="1400" dirty="0"/>
             </a:p>
           </p:txBody>
         </p:sp>
@@ -4512,10 +4516,10 @@
             <a:p>
               <a:pPr algn="ctr"/>
               <a:r>
-                <a:rPr lang="en-US" dirty="0"/>
-                <a:t>Web Interface</a:t>
+                <a:rPr lang="en-US" sz="1400" dirty="0"/>
+                <a:t>Web Interface (including Tags)</a:t>
               </a:r>
-              <a:endParaRPr lang="en-DE" dirty="0"/>
+              <a:endParaRPr lang="en-DE" sz="1400" dirty="0"/>
             </a:p>
           </p:txBody>
         </p:sp>
@@ -4560,10 +4564,10 @@
             <a:p>
               <a:pPr algn="ctr"/>
               <a:r>
-                <a:rPr lang="en-US" dirty="0"/>
-                <a:t>Plaintext, Page regions</a:t>
+                <a:rPr lang="en-US" sz="1400" dirty="0"/>
+                <a:t>Plaintext Query, Page regions</a:t>
               </a:r>
-              <a:endParaRPr lang="en-DE" dirty="0"/>
+              <a:endParaRPr lang="en-DE" sz="1400" dirty="0"/>
             </a:p>
           </p:txBody>
         </p:sp>
@@ -5006,7 +5010,7 @@
               <a:pPr algn="ctr"/>
               <a:r>
                 <a:rPr lang="en-US" dirty="0"/>
-                <a:t>User</a:t>
+                <a:t>Single User</a:t>
               </a:r>
               <a:endParaRPr lang="en-DE" dirty="0"/>
             </a:p>
@@ -5294,10 +5298,10 @@
         </p:nvGrpSpPr>
         <p:grpSpPr>
           <a:xfrm>
-            <a:off x="7161305" y="2815784"/>
-            <a:ext cx="4651832" cy="3341610"/>
-            <a:chOff x="7161305" y="2815784"/>
-            <a:chExt cx="4651832" cy="3341610"/>
+            <a:off x="6836607" y="3838681"/>
+            <a:ext cx="4976530" cy="2318713"/>
+            <a:chOff x="6836607" y="3838681"/>
+            <a:chExt cx="4976530" cy="2318713"/>
           </a:xfrm>
         </p:grpSpPr>
         <p:sp>
@@ -5313,8 +5317,8 @@
             <p:nvPr/>
           </p:nvSpPr>
           <p:spPr>
-            <a:xfrm rot="7737193">
-              <a:off x="7139123" y="2837966"/>
+            <a:xfrm rot="6168844">
+              <a:off x="6814425" y="4105987"/>
               <a:ext cx="1617801" cy="1573438"/>
             </a:xfrm>
             <a:prstGeom prst="downArrow">
@@ -5397,6 +5401,78 @@
           </p:spPr>
         </p:pic>
       </p:grpSp>
+      <p:cxnSp>
+        <p:nvCxnSpPr>
+          <p:cNvPr id="29" name="Straight Arrow Connector 28">
+            <a:extLst>
+              <a:ext uri="{FF2B5EF4-FFF2-40B4-BE49-F238E27FC236}">
+                <a16:creationId xmlns:a16="http://schemas.microsoft.com/office/drawing/2014/main" id="{4CDD99FA-B4E8-42E7-9397-C84B66034415}"/>
+              </a:ext>
+            </a:extLst>
+          </p:cNvPr>
+          <p:cNvCxnSpPr>
+            <a:cxnSpLocks/>
+            <a:stCxn id="5" idx="3"/>
+            <a:endCxn id="8" idx="1"/>
+          </p:cNvCxnSpPr>
+          <p:nvPr/>
+        </p:nvCxnSpPr>
+        <p:spPr>
+          <a:xfrm>
+            <a:off x="4199640" y="3191982"/>
+            <a:ext cx="613574" cy="0"/>
+          </a:xfrm>
+          <a:prstGeom prst="straightConnector1">
+            <a:avLst/>
+          </a:prstGeom>
+          <a:ln>
+            <a:tailEnd type="triangle"/>
+          </a:ln>
+        </p:spPr>
+        <p:style>
+          <a:lnRef idx="3">
+            <a:schemeClr val="accent4"/>
+          </a:lnRef>
+          <a:fillRef idx="0">
+            <a:schemeClr val="accent4"/>
+          </a:fillRef>
+          <a:effectRef idx="2">
+            <a:schemeClr val="accent4"/>
+          </a:effectRef>
+          <a:fontRef idx="minor">
+            <a:schemeClr val="tx1"/>
+          </a:fontRef>
+        </p:style>
+      </p:cxnSp>
+      <p:sp>
+        <p:nvSpPr>
+          <p:cNvPr id="2" name="Title 1">
+            <a:extLst>
+              <a:ext uri="{FF2B5EF4-FFF2-40B4-BE49-F238E27FC236}">
+                <a16:creationId xmlns:a16="http://schemas.microsoft.com/office/drawing/2014/main" id="{8A73EE38-024E-4A1A-B796-922C97DFAC7C}"/>
+              </a:ext>
+            </a:extLst>
+          </p:cNvPr>
+          <p:cNvSpPr>
+            <a:spLocks noGrp="1"/>
+          </p:cNvSpPr>
+          <p:nvPr>
+            <p:ph type="title"/>
+          </p:nvPr>
+        </p:nvSpPr>
+        <p:spPr/>
+        <p:txBody>
+          <a:bodyPr/>
+          <a:lstStyle/>
+          <a:p>
+            <a:r>
+              <a:rPr lang="en-US" dirty="0"/>
+              <a:t>Information Retrieval Process</a:t>
+            </a:r>
+            <a:endParaRPr lang="en-DE" dirty="0"/>
+          </a:p>
+        </p:txBody>
+      </p:sp>
     </p:spTree>
     <p:extLst>
       <p:ext uri="{BB962C8B-B14F-4D97-AF65-F5344CB8AC3E}">
@@ -5449,8 +5525,8 @@
           <a:lstStyle/>
           <a:p>
             <a:r>
-              <a:rPr lang="en-US" b="1" dirty="0"/>
-              <a:t>Example User Query Methodology</a:t>
+              <a:rPr lang="en-US" dirty="0"/>
+              <a:t>Performance &amp; Example Queries</a:t>
             </a:r>
             <a:endParaRPr lang="en-DE" dirty="0"/>
           </a:p>
